--- a/Does Alcohol cause happiness (1).pptx
+++ b/Does Alcohol cause happiness (1).pptx
@@ -19,8 +19,9 @@
     <p:sldId id="271" r:id="rId16"/>
     <p:sldId id="276" r:id="rId17"/>
     <p:sldId id="265" r:id="rId18"/>
-    <p:sldId id="268" r:id="rId19"/>
-    <p:sldId id="267" r:id="rId20"/>
+    <p:sldId id="277" r:id="rId19"/>
+    <p:sldId id="268" r:id="rId20"/>
+    <p:sldId id="267" r:id="rId21"/>
   </p:sldIdLst>
   <p:sldSz cx="12192000" cy="6858000"/>
   <p:notesSz cx="6858000" cy="9144000"/>
@@ -7884,6 +7885,96 @@
           <a:chExt cx="0" cy="0"/>
         </a:xfrm>
       </p:grpSpPr>
+      <p:pic>
+        <p:nvPicPr>
+          <p:cNvPr id="3" name="Picture 2">
+            <a:extLst>
+              <a:ext uri="{FF2B5EF4-FFF2-40B4-BE49-F238E27FC236}">
+                <a16:creationId xmlns:a16="http://schemas.microsoft.com/office/drawing/2014/main" id="{8426B61B-578D-4F5F-970F-A736C35C5E37}"/>
+              </a:ext>
+            </a:extLst>
+          </p:cNvPr>
+          <p:cNvPicPr>
+            <a:picLocks noChangeAspect="1"/>
+          </p:cNvPicPr>
+          <p:nvPr/>
+        </p:nvPicPr>
+        <p:blipFill>
+          <a:blip r:embed="rId2"/>
+          <a:stretch>
+            <a:fillRect/>
+          </a:stretch>
+        </p:blipFill>
+        <p:spPr>
+          <a:xfrm>
+            <a:off x="6710501" y="547560"/>
+            <a:ext cx="4712827" cy="5762878"/>
+          </a:xfrm>
+          <a:prstGeom prst="rect">
+            <a:avLst/>
+          </a:prstGeom>
+        </p:spPr>
+      </p:pic>
+      <p:pic>
+        <p:nvPicPr>
+          <p:cNvPr id="4" name="Picture 3">
+            <a:extLst>
+              <a:ext uri="{FF2B5EF4-FFF2-40B4-BE49-F238E27FC236}">
+                <a16:creationId xmlns:a16="http://schemas.microsoft.com/office/drawing/2014/main" id="{CDD51C39-6AFC-4EC5-B0A0-9BB9752DE515}"/>
+              </a:ext>
+            </a:extLst>
+          </p:cNvPr>
+          <p:cNvPicPr>
+            <a:picLocks noChangeAspect="1"/>
+          </p:cNvPicPr>
+          <p:nvPr/>
+        </p:nvPicPr>
+        <p:blipFill>
+          <a:blip r:embed="rId3"/>
+          <a:stretch>
+            <a:fillRect/>
+          </a:stretch>
+        </p:blipFill>
+        <p:spPr>
+          <a:xfrm>
+            <a:off x="888460" y="547560"/>
+            <a:ext cx="3807827" cy="5801898"/>
+          </a:xfrm>
+          <a:prstGeom prst="rect">
+            <a:avLst/>
+          </a:prstGeom>
+        </p:spPr>
+      </p:pic>
+    </p:spTree>
+    <p:extLst>
+      <p:ext uri="{BB962C8B-B14F-4D97-AF65-F5344CB8AC3E}">
+        <p14:creationId xmlns:p14="http://schemas.microsoft.com/office/powerpoint/2010/main" val="55030928"/>
+      </p:ext>
+    </p:extLst>
+  </p:cSld>
+  <p:clrMapOvr>
+    <a:masterClrMapping/>
+  </p:clrMapOvr>
+</p:sld>
+</file>
+
+<file path=ppt/slides/slide16.xml><?xml version="1.0" encoding="utf-8"?>
+<p:sld xmlns:a="http://schemas.openxmlformats.org/drawingml/2006/main" xmlns:r="http://schemas.openxmlformats.org/officeDocument/2006/relationships" xmlns:p="http://schemas.openxmlformats.org/presentationml/2006/main">
+  <p:cSld>
+    <p:spTree>
+      <p:nvGrpSpPr>
+        <p:cNvPr id="1" name=""/>
+        <p:cNvGrpSpPr/>
+        <p:nvPr/>
+      </p:nvGrpSpPr>
+      <p:grpSpPr>
+        <a:xfrm>
+          <a:off x="0" y="0"/>
+          <a:ext cx="0" cy="0"/>
+          <a:chOff x="0" y="0"/>
+          <a:chExt cx="0" cy="0"/>
+        </a:xfrm>
+      </p:grpSpPr>
       <p:sp>
         <p:nvSpPr>
           <p:cNvPr id="2" name="Title 1">
@@ -7997,7 +8088,7 @@
 </p:sld>
 </file>
 
-<file path=ppt/slides/slide16.xml><?xml version="1.0" encoding="utf-8"?>
+<file path=ppt/slides/slide17.xml><?xml version="1.0" encoding="utf-8"?>
 <p:sld xmlns:a="http://schemas.openxmlformats.org/drawingml/2006/main" xmlns:r="http://schemas.openxmlformats.org/officeDocument/2006/relationships" xmlns:p="http://schemas.openxmlformats.org/presentationml/2006/main">
   <p:cSld>
     <p:spTree>
@@ -10014,21 +10105,21 @@
 </file>
 
 <file path=customXml/item2.xml><?xml version="1.0" encoding="utf-8"?>
+<?mso-contentType ?>
+<FormTemplates xmlns="http://schemas.microsoft.com/sharepoint/v3/contenttype/forms">
+  <Display>DocumentLibraryForm</Display>
+  <Edit>DocumentLibraryForm</Edit>
+  <New>DocumentLibraryForm</New>
+</FormTemplates>
+</file>
+
+<file path=customXml/item3.xml><?xml version="1.0" encoding="utf-8"?>
 <p:properties xmlns:p="http://schemas.microsoft.com/office/2006/metadata/properties" xmlns:xsi="http://www.w3.org/2001/XMLSchema-instance" xmlns:pc="http://schemas.microsoft.com/office/infopath/2007/PartnerControls">
   <documentManagement>
     <Status xmlns="71af3243-3dd4-4a8d-8c0d-dd76da1f02a5">Not started</Status>
     <MediaServiceKeyPoints xmlns="71af3243-3dd4-4a8d-8c0d-dd76da1f02a5" xsi:nil="true"/>
   </documentManagement>
 </p:properties>
-</file>
-
-<file path=customXml/item3.xml><?xml version="1.0" encoding="utf-8"?>
-<?mso-contentType ?>
-<FormTemplates xmlns="http://schemas.microsoft.com/sharepoint/v3/contenttype/forms">
-  <Display>DocumentLibraryForm</Display>
-  <Edit>DocumentLibraryForm</Edit>
-  <New>DocumentLibraryForm</New>
-</FormTemplates>
 </file>
 
 <file path=customXml/itemProps1.xml><?xml version="1.0" encoding="utf-8"?>
@@ -10051,6 +10142,14 @@
 </file>
 
 <file path=customXml/itemProps2.xml><?xml version="1.0" encoding="utf-8"?>
+<ds:datastoreItem xmlns:ds="http://schemas.openxmlformats.org/officeDocument/2006/customXml" ds:itemID="{CDB58277-F8DF-46FF-84EC-EF41B835E69F}">
+  <ds:schemaRefs>
+    <ds:schemaRef ds:uri="http://schemas.microsoft.com/sharepoint/v3/contenttype/forms"/>
+  </ds:schemaRefs>
+</ds:datastoreItem>
+</file>
+
+<file path=customXml/itemProps3.xml><?xml version="1.0" encoding="utf-8"?>
 <ds:datastoreItem xmlns:ds="http://schemas.openxmlformats.org/officeDocument/2006/customXml" ds:itemID="{137651BA-F45C-4845-9AB3-E0A65B39F5E1}">
   <ds:schemaRefs>
     <ds:schemaRef ds:uri="http://schemas.microsoft.com/office/2006/metadata/properties"/>
@@ -10058,12 +10157,4 @@
     <ds:schemaRef ds:uri="71af3243-3dd4-4a8d-8c0d-dd76da1f02a5"/>
   </ds:schemaRefs>
 </ds:datastoreItem>
-</file>
-
-<file path=customXml/itemProps3.xml><?xml version="1.0" encoding="utf-8"?>
-<ds:datastoreItem xmlns:ds="http://schemas.openxmlformats.org/officeDocument/2006/customXml" ds:itemID="{CDB58277-F8DF-46FF-84EC-EF41B835E69F}">
-  <ds:schemaRefs>
-    <ds:schemaRef ds:uri="http://schemas.microsoft.com/sharepoint/v3/contenttype/forms"/>
-  </ds:schemaRefs>
-</ds:datastoreItem>
 </file>